--- a/클라우드 네트워킹.pptx
+++ b/클라우드 네트워킹.pptx
@@ -2,10 +2,10 @@
 <file path=ppt/presentation.xml><?xml version="1.0" encoding="utf-8"?>
 <p:presentation xmlns:a="http://schemas.openxmlformats.org/drawingml/2006/main" xmlns:r="http://schemas.openxmlformats.org/officeDocument/2006/relationships" xmlns:p="http://schemas.openxmlformats.org/presentationml/2006/main" saveSubsetFonts="1">
   <p:sldMasterIdLst>
-    <p:sldMasterId id="2147483833" r:id="rId1"/>
+    <p:sldMasterId id="2147483811" r:id="rId1"/>
   </p:sldMasterIdLst>
   <p:notesMasterIdLst>
-    <p:notesMasterId r:id="rId20"/>
+    <p:notesMasterId r:id="rId18"/>
   </p:notesMasterIdLst>
   <p:sldIdLst>
     <p:sldId id="256" r:id="rId2"/>
@@ -24,8 +24,6 @@
     <p:sldId id="266" r:id="rId15"/>
     <p:sldId id="268" r:id="rId16"/>
     <p:sldId id="272" r:id="rId17"/>
-    <p:sldId id="274" r:id="rId18"/>
-    <p:sldId id="275" r:id="rId19"/>
   </p:sldIdLst>
   <p:sldSz cx="12192000" cy="6858000"/>
   <p:notesSz cx="6858000" cy="9144000"/>
@@ -214,7 +212,7 @@
           <a:p>
             <a:fld id="{48609447-59D6-4CB7-8AE7-4467C8AE1BBC}" type="datetimeFigureOut">
               <a:rPr lang="ko-KR" altLang="en-US" smtClean="0"/>
-              <a:t>2024-08-27</a:t>
+              <a:t>2024-05-06</a:t>
             </a:fld>
             <a:endParaRPr lang="ko-KR" altLang="en-US"/>
           </a:p>
@@ -1138,7 +1136,7 @@
           <a:p>
             <a:fld id="{72345051-2045-45DA-935E-2E3CA1A69ADC}" type="datetimeFigureOut">
               <a:rPr lang="en-US" smtClean="0"/>
-              <a:t>8/27/2024</a:t>
+              <a:t>5/6/2024</a:t>
             </a:fld>
             <a:endParaRPr lang="en-US" dirty="0"/>
           </a:p>
@@ -1336,7 +1334,7 @@
           <a:p>
             <a:fld id="{72345051-2045-45DA-935E-2E3CA1A69ADC}" type="datetimeFigureOut">
               <a:rPr lang="en-US" smtClean="0"/>
-              <a:t>8/27/2024</a:t>
+              <a:t>5/6/2024</a:t>
             </a:fld>
             <a:endParaRPr lang="en-US"/>
           </a:p>
@@ -1544,7 +1542,7 @@
           <a:p>
             <a:fld id="{72345051-2045-45DA-935E-2E3CA1A69ADC}" type="datetimeFigureOut">
               <a:rPr lang="en-US" smtClean="0"/>
-              <a:t>8/27/2024</a:t>
+              <a:t>5/6/2024</a:t>
             </a:fld>
             <a:endParaRPr lang="en-US"/>
           </a:p>
@@ -1766,7 +1764,7 @@
           <a:p>
             <a:fld id="{72345051-2045-45DA-935E-2E3CA1A69ADC}" type="datetimeFigureOut">
               <a:rPr lang="en-US" smtClean="0"/>
-              <a:t>8/27/2024</a:t>
+              <a:t>5/6/2024</a:t>
             </a:fld>
             <a:endParaRPr lang="en-US"/>
           </a:p>
@@ -2677,7 +2675,7 @@
           <a:p>
             <a:fld id="{72345051-2045-45DA-935E-2E3CA1A69ADC}" type="datetimeFigureOut">
               <a:rPr lang="en-US" smtClean="0"/>
-              <a:t>8/27/2024</a:t>
+              <a:t>5/6/2024</a:t>
             </a:fld>
             <a:endParaRPr lang="en-US"/>
           </a:p>
@@ -3280,7 +3278,7 @@
           <a:p>
             <a:fld id="{72345051-2045-45DA-935E-2E3CA1A69ADC}" type="datetimeFigureOut">
               <a:rPr lang="en-US" smtClean="0"/>
-              <a:t>8/27/2024</a:t>
+              <a:t>5/6/2024</a:t>
             </a:fld>
             <a:endParaRPr lang="en-US"/>
           </a:p>
@@ -4328,7 +4326,7 @@
           <a:p>
             <a:fld id="{72345051-2045-45DA-935E-2E3CA1A69ADC}" type="datetimeFigureOut">
               <a:rPr lang="en-US" smtClean="0"/>
-              <a:t>8/27/2024</a:t>
+              <a:t>5/6/2024</a:t>
             </a:fld>
             <a:endParaRPr lang="en-US"/>
           </a:p>
@@ -5112,7 +5110,7 @@
           <a:p>
             <a:fld id="{72345051-2045-45DA-935E-2E3CA1A69ADC}" type="datetimeFigureOut">
               <a:rPr lang="en-US" smtClean="0"/>
-              <a:t>8/27/2024</a:t>
+              <a:t>5/6/2024</a:t>
             </a:fld>
             <a:endParaRPr lang="en-US"/>
           </a:p>
@@ -5561,7 +5559,7 @@
           <a:p>
             <a:fld id="{72345051-2045-45DA-935E-2E3CA1A69ADC}" type="datetimeFigureOut">
               <a:rPr lang="en-US" smtClean="0"/>
-              <a:t>8/27/2024</a:t>
+              <a:t>5/6/2024</a:t>
             </a:fld>
             <a:endParaRPr lang="en-US"/>
           </a:p>
@@ -5878,7 +5876,7 @@
           <a:p>
             <a:fld id="{72345051-2045-45DA-935E-2E3CA1A69ADC}" type="datetimeFigureOut">
               <a:rPr lang="en-US" smtClean="0"/>
-              <a:t>8/27/2024</a:t>
+              <a:t>5/6/2024</a:t>
             </a:fld>
             <a:endParaRPr lang="en-US"/>
           </a:p>
@@ -6506,7 +6504,7 @@
           <a:p>
             <a:fld id="{72345051-2045-45DA-935E-2E3CA1A69ADC}" type="datetimeFigureOut">
               <a:rPr lang="en-US" smtClean="0"/>
-              <a:t>8/27/2024</a:t>
+              <a:t>5/6/2024</a:t>
             </a:fld>
             <a:endParaRPr lang="en-US"/>
           </a:p>
@@ -7075,7 +7073,7 @@
           <a:p>
             <a:fld id="{72345051-2045-45DA-935E-2E3CA1A69ADC}" type="datetimeFigureOut">
               <a:rPr lang="en-US" smtClean="0"/>
-              <a:t>8/27/2024</a:t>
+              <a:t>5/6/2024</a:t>
             </a:fld>
             <a:endParaRPr lang="en-US" dirty="0"/>
           </a:p>
@@ -8235,7 +8233,7 @@
           <p:nvPr/>
         </p:nvPicPr>
         <p:blipFill rotWithShape="1">
-          <a:blip r:embed="rId3" cstate="print">
+          <a:blip r:embed="rId3">
             <a:extLst>
               <a:ext uri="{28A0092B-C50C-407E-A947-70E740481C1C}">
                 <a14:useLocalDpi xmlns:a14="http://schemas.microsoft.com/office/drawing/2010/main" val="0"/>
@@ -10034,16 +10032,20 @@
       </p:grpSpPr>
       <p:sp>
         <p:nvSpPr>
-          <p:cNvPr id="3" name="TextBox 2"/>
-          <p:cNvSpPr txBox="1">
-            <a:spLocks/>
-          </p:cNvSpPr>
+          <p:cNvPr id="3" name="TextBox 2">
+            <a:extLst>
+              <a:ext uri="{FF2B5EF4-FFF2-40B4-BE49-F238E27FC236}">
+                <a16:creationId xmlns:a16="http://schemas.microsoft.com/office/drawing/2014/main" id="{2046AA1B-8B5A-24DB-258A-B25F2F8E2296}"/>
+              </a:ext>
+            </a:extLst>
+          </p:cNvPr>
+          <p:cNvSpPr txBox="1"/>
           <p:nvPr/>
         </p:nvSpPr>
         <p:spPr>
           <a:xfrm>
-            <a:off x="646430" y="564515"/>
-            <a:ext cx="8608695" cy="630555"/>
+            <a:off x="646176" y="564806"/>
+            <a:ext cx="7766304" cy="630942"/>
           </a:xfrm>
           <a:prstGeom prst="rect">
             <a:avLst/>
@@ -10051,28 +10053,16 @@
           <a:noFill/>
         </p:spPr>
         <p:txBody>
-          <a:bodyPr vert="horz" wrap="square" lIns="91440" tIns="45720" rIns="91440" bIns="45720" numCol="1" anchor="t">
+          <a:bodyPr wrap="square" rtlCol="0">
             <a:spAutoFit/>
           </a:bodyPr>
           <a:lstStyle/>
           <a:p>
-            <a:pPr marL="0" indent="0" latinLnBrk="0">
-              <a:lnSpc>
-                <a:spcPct val="100000"/>
-              </a:lnSpc>
-              <a:spcBef>
-                <a:spcPts val="0"/>
-              </a:spcBef>
-              <a:spcAft>
-                <a:spcPts val="0"/>
-              </a:spcAft>
-              <a:buFontTx/>
-              <a:buNone/>
-            </a:pPr>
-            <a:r>
-              <a:rPr lang="ko-KR" altLang="en-US" sz="3500"/>
-              <a:t>한국 기업의 멀티 클라우드 전략 이용 사례</a:t>
-            </a:r>
+            <a:r>
+              <a:rPr lang="ko-KR" altLang="en-US" sz="3500" dirty="0"/>
+              <a:t>한국 기업의 멀티 클라우드 전략 사례</a:t>
+            </a:r>
+            <a:endParaRPr lang="en-US" altLang="ko-KR" sz="3500" dirty="0"/>
           </a:p>
         </p:txBody>
       </p:sp>
@@ -10090,8 +10080,8 @@
         </p:nvSpPr>
         <p:spPr>
           <a:xfrm>
-            <a:off x="646430" y="2042160"/>
-            <a:ext cx="4416425" cy="476885"/>
+            <a:off x="646176" y="2041852"/>
+            <a:ext cx="4416594" cy="477054"/>
           </a:xfrm>
           <a:prstGeom prst="rect">
             <a:avLst/>
@@ -10130,8 +10120,8 @@
         </p:nvSpPr>
         <p:spPr>
           <a:xfrm>
-            <a:off x="646430" y="3323590"/>
-            <a:ext cx="4647565" cy="476885"/>
+            <a:off x="646176" y="3323578"/>
+            <a:ext cx="4647426" cy="477054"/>
           </a:xfrm>
           <a:prstGeom prst="rect">
             <a:avLst/>
@@ -10170,8 +10160,8 @@
         </p:nvSpPr>
         <p:spPr>
           <a:xfrm>
-            <a:off x="646430" y="4605020"/>
-            <a:ext cx="4006215" cy="476885"/>
+            <a:off x="646176" y="4605304"/>
+            <a:ext cx="4006225" cy="477054"/>
           </a:xfrm>
           <a:prstGeom prst="rect">
             <a:avLst/>
@@ -10232,16 +10222,20 @@
       </p:grpSpPr>
       <p:sp>
         <p:nvSpPr>
-          <p:cNvPr id="3" name="TextBox 2"/>
-          <p:cNvSpPr txBox="1">
-            <a:spLocks/>
-          </p:cNvSpPr>
+          <p:cNvPr id="3" name="TextBox 2">
+            <a:extLst>
+              <a:ext uri="{FF2B5EF4-FFF2-40B4-BE49-F238E27FC236}">
+                <a16:creationId xmlns:a16="http://schemas.microsoft.com/office/drawing/2014/main" id="{2046AA1B-8B5A-24DB-258A-B25F2F8E2296}"/>
+              </a:ext>
+            </a:extLst>
+          </p:cNvPr>
+          <p:cNvSpPr txBox="1"/>
           <p:nvPr/>
         </p:nvSpPr>
         <p:spPr>
           <a:xfrm>
-            <a:off x="646430" y="564515"/>
-            <a:ext cx="8873127" cy="630942"/>
+            <a:off x="646176" y="564806"/>
+            <a:ext cx="7461504" cy="630942"/>
           </a:xfrm>
           <a:prstGeom prst="rect">
             <a:avLst/>
@@ -10249,28 +10243,16 @@
           <a:noFill/>
         </p:spPr>
         <p:txBody>
-          <a:bodyPr vert="horz" wrap="square" lIns="91440" tIns="45720" rIns="91440" bIns="45720" numCol="1" anchor="t">
+          <a:bodyPr wrap="square" rtlCol="0">
             <a:spAutoFit/>
           </a:bodyPr>
           <a:lstStyle/>
           <a:p>
-            <a:pPr marL="0" indent="0" latinLnBrk="0">
-              <a:lnSpc>
-                <a:spcPct val="100000"/>
-              </a:lnSpc>
-              <a:spcBef>
-                <a:spcPts val="0"/>
-              </a:spcBef>
-              <a:spcAft>
-                <a:spcPts val="0"/>
-              </a:spcAft>
-              <a:buFontTx/>
-              <a:buNone/>
-            </a:pPr>
             <a:r>
               <a:rPr lang="ko-KR" altLang="en-US" sz="3500" dirty="0"/>
-              <a:t>멀티 클라우드 전략에 따른 네트워킹 이점</a:t>
-            </a:r>
+              <a:t>멀티 클라우드 전략에 따른 네트워킹</a:t>
+            </a:r>
+            <a:endParaRPr lang="en-US" altLang="ko-KR" sz="3500" dirty="0"/>
           </a:p>
         </p:txBody>
       </p:sp>
@@ -10288,8 +10270,8 @@
         </p:nvSpPr>
         <p:spPr>
           <a:xfrm>
-            <a:off x="646430" y="2042160"/>
-            <a:ext cx="1763395" cy="476885"/>
+            <a:off x="646176" y="2041852"/>
+            <a:ext cx="4737194" cy="477054"/>
           </a:xfrm>
           <a:prstGeom prst="rect">
             <a:avLst/>
@@ -10297,28 +10279,20 @@
           <a:noFill/>
         </p:spPr>
         <p:txBody>
-          <a:bodyPr vert="horz" wrap="none" lIns="91440" tIns="45720" rIns="91440" bIns="45720" numCol="1" anchor="t">
+          <a:bodyPr wrap="none" rtlCol="0">
             <a:spAutoFit/>
           </a:bodyPr>
           <a:lstStyle/>
           <a:p>
-            <a:pPr marL="342900" indent="-342900" latinLnBrk="0">
-              <a:lnSpc>
-                <a:spcPct val="100000"/>
-              </a:lnSpc>
-              <a:spcBef>
-                <a:spcPts val="0"/>
-              </a:spcBef>
-              <a:spcAft>
-                <a:spcPts val="0"/>
-              </a:spcAft>
-              <a:buFont typeface="Arial"/>
+            <a:pPr marL="342900" indent="-342900">
+              <a:buFont typeface="Arial" panose="020B0604020202020204" pitchFamily="34" charset="0"/>
               <a:buChar char="•"/>
             </a:pPr>
             <a:r>
-              <a:rPr lang="ko-KR" altLang="en-US" sz="2500"/>
-              <a:t>복원력</a:t>
-            </a:r>
+              <a:rPr lang="ko-KR" altLang="en-US" sz="2500" dirty="0"/>
+              <a:t>다중 클라우드 연결 관리 편리</a:t>
+            </a:r>
+            <a:endParaRPr lang="en-US" altLang="ko-KR" sz="2500" dirty="0"/>
           </a:p>
         </p:txBody>
       </p:sp>
@@ -10336,8 +10310,8 @@
         </p:nvSpPr>
         <p:spPr>
           <a:xfrm>
-            <a:off x="646430" y="3323590"/>
-            <a:ext cx="2470150" cy="476885"/>
+            <a:off x="646176" y="3323578"/>
+            <a:ext cx="5399235" cy="477054"/>
           </a:xfrm>
           <a:prstGeom prst="rect">
             <a:avLst/>
@@ -10345,28 +10319,28 @@
           <a:noFill/>
         </p:spPr>
         <p:txBody>
-          <a:bodyPr vert="horz" wrap="none" lIns="91440" tIns="45720" rIns="91440" bIns="45720" numCol="1" anchor="t">
+          <a:bodyPr wrap="none" rtlCol="0">
             <a:spAutoFit/>
           </a:bodyPr>
           <a:lstStyle/>
           <a:p>
-            <a:pPr marL="342900" indent="-342900" latinLnBrk="0">
-              <a:lnSpc>
-                <a:spcPct val="100000"/>
-              </a:lnSpc>
-              <a:spcBef>
-                <a:spcPts val="0"/>
-              </a:spcBef>
-              <a:spcAft>
-                <a:spcPts val="0"/>
-              </a:spcAft>
-              <a:buFont typeface="Arial"/>
+            <a:pPr marL="342900" indent="-342900">
+              <a:buFont typeface="Arial" panose="020B0604020202020204" pitchFamily="34" charset="0"/>
               <a:buChar char="•"/>
             </a:pPr>
             <a:r>
-              <a:rPr lang="ko-KR" altLang="en-US" sz="2500"/>
-              <a:t>성능 최적화</a:t>
-            </a:r>
+              <a:rPr lang="ko-KR" altLang="en-US" sz="2500" dirty="0"/>
+              <a:t>보안 및 규정 준수 통합</a:t>
+            </a:r>
+            <a:r>
+              <a:rPr lang="en-US" altLang="ko-KR" sz="2500" dirty="0"/>
+              <a:t>, </a:t>
+            </a:r>
+            <a:r>
+              <a:rPr lang="ko-KR" altLang="en-US" sz="2500" dirty="0"/>
+              <a:t>관리 편리</a:t>
+            </a:r>
+            <a:endParaRPr lang="en-US" altLang="ko-KR" sz="2500" dirty="0"/>
           </a:p>
         </p:txBody>
       </p:sp>
@@ -10384,8 +10358,8 @@
         </p:nvSpPr>
         <p:spPr>
           <a:xfrm>
-            <a:off x="646430" y="4605020"/>
-            <a:ext cx="3957320" cy="476885"/>
+            <a:off x="646176" y="4605304"/>
+            <a:ext cx="2544286" cy="477054"/>
           </a:xfrm>
           <a:prstGeom prst="rect">
             <a:avLst/>
@@ -10393,28 +10367,20 @@
           <a:noFill/>
         </p:spPr>
         <p:txBody>
-          <a:bodyPr vert="horz" wrap="none" lIns="91440" tIns="45720" rIns="91440" bIns="45720" numCol="1" anchor="t">
+          <a:bodyPr wrap="none" rtlCol="0">
             <a:spAutoFit/>
           </a:bodyPr>
           <a:lstStyle/>
           <a:p>
-            <a:pPr marL="342900" indent="-342900" latinLnBrk="0">
-              <a:lnSpc>
-                <a:spcPct val="100000"/>
-              </a:lnSpc>
-              <a:spcBef>
-                <a:spcPts val="0"/>
-              </a:spcBef>
-              <a:spcAft>
-                <a:spcPts val="0"/>
-              </a:spcAft>
-              <a:buFont typeface="Arial"/>
+            <a:pPr marL="342900" indent="-342900">
+              <a:buFont typeface="Arial" panose="020B0604020202020204" pitchFamily="34" charset="0"/>
               <a:buChar char="•"/>
             </a:pPr>
             <a:r>
-              <a:rPr lang="ko-KR" altLang="en-US" sz="2500"/>
-              <a:t>데이터 관리, 규정 준수</a:t>
-            </a:r>
+              <a:rPr lang="ko-KR" altLang="en-US" sz="2500" dirty="0"/>
+              <a:t>성능의 최적화</a:t>
+            </a:r>
+            <a:endParaRPr lang="en-US" altLang="ko-KR" sz="2500" dirty="0"/>
           </a:p>
         </p:txBody>
       </p:sp>
@@ -10422,566 +10388,6 @@
     <p:extLst>
       <p:ext uri="{BB962C8B-B14F-4D97-AF65-F5344CB8AC3E}">
         <p14:creationId xmlns:p14="http://schemas.microsoft.com/office/powerpoint/2010/main" val="459654771"/>
-      </p:ext>
-    </p:extLst>
-  </p:cSld>
-  <p:clrMapOvr>
-    <a:masterClrMapping/>
-  </p:clrMapOvr>
-</p:sld>
-</file>
-
-<file path=ppt/slides/slide17.xml><?xml version="1.0" encoding="utf-8"?>
-<p:sld xmlns:a="http://schemas.openxmlformats.org/drawingml/2006/main" xmlns:r="http://schemas.openxmlformats.org/officeDocument/2006/relationships" xmlns:p="http://schemas.openxmlformats.org/presentationml/2006/main">
-  <p:cSld>
-    <p:spTree>
-      <p:nvGrpSpPr>
-        <p:cNvPr id="1" name=""/>
-        <p:cNvGrpSpPr/>
-        <p:nvPr/>
-      </p:nvGrpSpPr>
-      <p:grpSpPr>
-        <a:xfrm>
-          <a:off x="0" y="0"/>
-          <a:ext cx="0" cy="0"/>
-          <a:chOff x="0" y="0"/>
-          <a:chExt cx="0" cy="0"/>
-        </a:xfrm>
-      </p:grpSpPr>
-      <p:sp>
-        <p:nvSpPr>
-          <p:cNvPr id="2" name="Text Box 2"/>
-          <p:cNvSpPr txBox="1">
-            <a:spLocks/>
-          </p:cNvSpPr>
-          <p:nvPr/>
-        </p:nvSpPr>
-        <p:spPr>
-          <a:xfrm>
-            <a:off x="838200" y="561975"/>
-            <a:ext cx="6079435" cy="692150"/>
-          </a:xfrm>
-          <a:prstGeom prst="rect">
-            <a:avLst/>
-          </a:prstGeom>
-          <a:noFill/>
-        </p:spPr>
-        <p:txBody>
-          <a:bodyPr vert="horz" wrap="square" lIns="91440" tIns="45720" rIns="91440" bIns="45720" numCol="1" anchor="t">
-            <a:spAutoFit/>
-          </a:bodyPr>
-          <a:lstStyle/>
-          <a:p>
-            <a:pPr marL="0" indent="0" latinLnBrk="0">
-              <a:lnSpc>
-                <a:spcPct val="100000"/>
-              </a:lnSpc>
-              <a:spcBef>
-                <a:spcPts val="0"/>
-              </a:spcBef>
-              <a:spcAft>
-                <a:spcPts val="0"/>
-              </a:spcAft>
-              <a:buFontTx/>
-              <a:buNone/>
-            </a:pPr>
-            <a:r>
-              <a:rPr lang="ko-KR" altLang="en-US" sz="3900" dirty="0"/>
-              <a:t>클라우드 네트워킹의 전망</a:t>
-            </a:r>
-          </a:p>
-        </p:txBody>
-      </p:sp>
-      <p:sp>
-        <p:nvSpPr>
-          <p:cNvPr id="3" name="Text Box 3"/>
-          <p:cNvSpPr txBox="1">
-            <a:spLocks/>
-          </p:cNvSpPr>
-          <p:nvPr/>
-        </p:nvSpPr>
-        <p:spPr>
-          <a:xfrm>
-            <a:off x="4457700" y="3233420"/>
-            <a:ext cx="318770" cy="389890"/>
-          </a:xfrm>
-          <a:prstGeom prst="rect">
-            <a:avLst/>
-          </a:prstGeom>
-          <a:noFill/>
-          <a:ln w="0">
-            <a:noFill/>
-            <a:prstDash/>
-          </a:ln>
-        </p:spPr>
-        <p:txBody>
-          <a:bodyPr vert="horz" wrap="none" lIns="89535" tIns="46355" rIns="89535" bIns="46355" anchor="t">
-            <a:spAutoFit/>
-          </a:bodyPr>
-          <a:lstStyle/>
-          <a:p>
-            <a:pPr marL="0" indent="0" algn="l" hangingPunct="1">
-              <a:lnSpc>
-                <a:spcPct val="100000"/>
-              </a:lnSpc>
-              <a:spcBef>
-                <a:spcPts val="0"/>
-              </a:spcBef>
-              <a:spcAft>
-                <a:spcPts val="0"/>
-              </a:spcAft>
-              <a:buFontTx/>
-              <a:buNone/>
-            </a:pPr>
-            <a:endParaRPr lang="ko-KR" altLang="en-US" sz="1800">
-              <a:latin typeface="NanumGothic" charset="0"/>
-              <a:ea typeface="NanumGothic" charset="0"/>
-            </a:endParaRPr>
-          </a:p>
-        </p:txBody>
-      </p:sp>
-      <p:sp>
-        <p:nvSpPr>
-          <p:cNvPr id="4" name="Text Box 1"/>
-          <p:cNvSpPr txBox="1">
-            <a:spLocks/>
-          </p:cNvSpPr>
-          <p:nvPr/>
-        </p:nvSpPr>
-        <p:spPr>
-          <a:xfrm>
-            <a:off x="834390" y="2087245"/>
-            <a:ext cx="8197850" cy="523874"/>
-          </a:xfrm>
-          <a:prstGeom prst="rect">
-            <a:avLst/>
-          </a:prstGeom>
-          <a:noFill/>
-          <a:ln w="0">
-            <a:noFill/>
-            <a:prstDash/>
-          </a:ln>
-        </p:spPr>
-        <p:txBody>
-          <a:bodyPr vert="horz" wrap="square" lIns="89535" tIns="46355" rIns="89535" bIns="46355" anchor="t">
-            <a:spAutoFit/>
-          </a:bodyPr>
-          <a:lstStyle/>
-          <a:p>
-            <a:pPr marL="0" indent="0" algn="l" hangingPunct="1">
-              <a:lnSpc>
-                <a:spcPct val="100000"/>
-              </a:lnSpc>
-              <a:spcBef>
-                <a:spcPts val="0"/>
-              </a:spcBef>
-              <a:spcAft>
-                <a:spcPts val="0"/>
-              </a:spcAft>
-              <a:buFontTx/>
-              <a:buNone/>
-            </a:pPr>
-            <a:r>
-              <a:rPr sz="2800" dirty="0" err="1">
-                <a:latin typeface="NanumGothic" charset="0"/>
-                <a:ea typeface="NanumGothic" charset="0"/>
-              </a:rPr>
-              <a:t>정보화</a:t>
-            </a:r>
-            <a:r>
-              <a:rPr sz="2800" dirty="0">
-                <a:latin typeface="NanumGothic" charset="0"/>
-                <a:ea typeface="NanumGothic" charset="0"/>
-              </a:rPr>
-              <a:t> </a:t>
-            </a:r>
-            <a:r>
-              <a:rPr sz="2800" dirty="0" err="1">
-                <a:latin typeface="NanumGothic" charset="0"/>
-                <a:ea typeface="NanumGothic" charset="0"/>
-              </a:rPr>
-              <a:t>시대에</a:t>
-            </a:r>
-            <a:r>
-              <a:rPr sz="2800" dirty="0">
-                <a:latin typeface="NanumGothic" charset="0"/>
-                <a:ea typeface="NanumGothic" charset="0"/>
-              </a:rPr>
-              <a:t> </a:t>
-            </a:r>
-            <a:r>
-              <a:rPr sz="2800" dirty="0" err="1">
-                <a:latin typeface="NanumGothic" charset="0"/>
-                <a:ea typeface="NanumGothic" charset="0"/>
-              </a:rPr>
-              <a:t>따른</a:t>
-            </a:r>
-            <a:r>
-              <a:rPr sz="2800" dirty="0">
-                <a:latin typeface="NanumGothic" charset="0"/>
-                <a:ea typeface="NanumGothic" charset="0"/>
-              </a:rPr>
-              <a:t> </a:t>
-            </a:r>
-            <a:r>
-              <a:rPr sz="2800" dirty="0" err="1">
-                <a:latin typeface="NanumGothic" charset="0"/>
-                <a:ea typeface="NanumGothic" charset="0"/>
-              </a:rPr>
-              <a:t>데이터</a:t>
-            </a:r>
-            <a:r>
-              <a:rPr sz="2800" dirty="0">
-                <a:latin typeface="NanumGothic" charset="0"/>
-                <a:ea typeface="NanumGothic" charset="0"/>
-              </a:rPr>
-              <a:t> </a:t>
-            </a:r>
-            <a:r>
-              <a:rPr sz="2800" dirty="0" err="1">
-                <a:latin typeface="NanumGothic" charset="0"/>
-                <a:ea typeface="NanumGothic" charset="0"/>
-              </a:rPr>
-              <a:t>저장의</a:t>
-            </a:r>
-            <a:r>
-              <a:rPr sz="2800" dirty="0">
-                <a:latin typeface="NanumGothic" charset="0"/>
-                <a:ea typeface="NanumGothic" charset="0"/>
-              </a:rPr>
-              <a:t> </a:t>
-            </a:r>
-            <a:r>
-              <a:rPr sz="2800" dirty="0" err="1">
-                <a:latin typeface="NanumGothic" charset="0"/>
-                <a:ea typeface="NanumGothic" charset="0"/>
-              </a:rPr>
-              <a:t>중요성이</a:t>
-            </a:r>
-            <a:r>
-              <a:rPr sz="2800" dirty="0">
-                <a:latin typeface="NanumGothic" charset="0"/>
-                <a:ea typeface="NanumGothic" charset="0"/>
-              </a:rPr>
-              <a:t> </a:t>
-            </a:r>
-            <a:r>
-              <a:rPr sz="2800" dirty="0" err="1">
-                <a:latin typeface="NanumGothic" charset="0"/>
-                <a:ea typeface="NanumGothic" charset="0"/>
-              </a:rPr>
-              <a:t>높아졌음</a:t>
-            </a:r>
-            <a:endParaRPr lang="ko-KR" altLang="en-US" sz="2800" dirty="0">
-              <a:latin typeface="NanumGothic" charset="0"/>
-              <a:ea typeface="NanumGothic" charset="0"/>
-            </a:endParaRPr>
-          </a:p>
-        </p:txBody>
-      </p:sp>
-      <p:sp>
-        <p:nvSpPr>
-          <p:cNvPr id="5" name="Text Box 2"/>
-          <p:cNvSpPr txBox="1">
-            <a:spLocks/>
-          </p:cNvSpPr>
-          <p:nvPr/>
-        </p:nvSpPr>
-        <p:spPr>
-          <a:xfrm>
-            <a:off x="5930900" y="3234690"/>
-            <a:ext cx="306705" cy="370205"/>
-          </a:xfrm>
-          <a:prstGeom prst="rect">
-            <a:avLst/>
-          </a:prstGeom>
-          <a:noFill/>
-          <a:ln w="0">
-            <a:noFill/>
-            <a:prstDash/>
-          </a:ln>
-        </p:spPr>
-        <p:txBody>
-          <a:bodyPr vert="horz" wrap="none" lIns="89535" tIns="46355" rIns="89535" bIns="46355" anchor="t">
-            <a:spAutoFit/>
-          </a:bodyPr>
-          <a:lstStyle/>
-          <a:p>
-            <a:pPr marL="0" indent="0" algn="l" hangingPunct="1">
-              <a:lnSpc>
-                <a:spcPct val="100000"/>
-              </a:lnSpc>
-              <a:spcBef>
-                <a:spcPts val="0"/>
-              </a:spcBef>
-              <a:spcAft>
-                <a:spcPts val="0"/>
-              </a:spcAft>
-              <a:buFontTx/>
-              <a:buNone/>
-            </a:pPr>
-            <a:endParaRPr lang="ko-KR" altLang="en-US" sz="1800">
-              <a:latin typeface="NanumGothic" charset="0"/>
-              <a:ea typeface="NanumGothic" charset="0"/>
-            </a:endParaRPr>
-          </a:p>
-        </p:txBody>
-      </p:sp>
-      <p:sp>
-        <p:nvSpPr>
-          <p:cNvPr id="6" name="Text Box 3"/>
-          <p:cNvSpPr txBox="1">
-            <a:spLocks/>
-          </p:cNvSpPr>
-          <p:nvPr/>
-        </p:nvSpPr>
-        <p:spPr>
-          <a:xfrm>
-            <a:off x="845185" y="3170555"/>
-            <a:ext cx="8309610" cy="523874"/>
-          </a:xfrm>
-          <a:prstGeom prst="rect">
-            <a:avLst/>
-          </a:prstGeom>
-          <a:noFill/>
-          <a:ln w="0">
-            <a:noFill/>
-            <a:prstDash/>
-          </a:ln>
-        </p:spPr>
-        <p:txBody>
-          <a:bodyPr vert="horz" wrap="square" lIns="89535" tIns="46355" rIns="89535" bIns="46355" anchor="t">
-            <a:spAutoFit/>
-          </a:bodyPr>
-          <a:lstStyle/>
-          <a:p>
-            <a:pPr marL="0" indent="0" algn="l" hangingPunct="1">
-              <a:lnSpc>
-                <a:spcPct val="100000"/>
-              </a:lnSpc>
-              <a:spcBef>
-                <a:spcPts val="0"/>
-              </a:spcBef>
-              <a:spcAft>
-                <a:spcPts val="0"/>
-              </a:spcAft>
-              <a:buFontTx/>
-              <a:buNone/>
-            </a:pPr>
-            <a:r>
-              <a:rPr sz="2800">
-                <a:latin typeface="NanumGothic" charset="0"/>
-                <a:ea typeface="NanumGothic" charset="0"/>
-              </a:rPr>
-              <a:t>==&gt; 클라우드 네트워킹은 데이터 저장 기술 중 하나임</a:t>
-            </a:r>
-            <a:endParaRPr lang="ko-KR" altLang="en-US" sz="2800">
-              <a:latin typeface="NanumGothic" charset="0"/>
-              <a:ea typeface="NanumGothic" charset="0"/>
-            </a:endParaRPr>
-          </a:p>
-        </p:txBody>
-      </p:sp>
-      <p:sp>
-        <p:nvSpPr>
-          <p:cNvPr id="7" name="Text Box 4"/>
-          <p:cNvSpPr txBox="1">
-            <a:spLocks/>
-          </p:cNvSpPr>
-          <p:nvPr/>
-        </p:nvSpPr>
-        <p:spPr>
-          <a:xfrm>
-            <a:off x="4944745" y="3236595"/>
-            <a:ext cx="318770" cy="389890"/>
-          </a:xfrm>
-          <a:prstGeom prst="rect">
-            <a:avLst/>
-          </a:prstGeom>
-          <a:noFill/>
-          <a:ln w="0">
-            <a:noFill/>
-            <a:prstDash/>
-          </a:ln>
-        </p:spPr>
-        <p:txBody>
-          <a:bodyPr vert="horz" wrap="none" lIns="89535" tIns="46355" rIns="89535" bIns="46355" anchor="t">
-            <a:spAutoFit/>
-          </a:bodyPr>
-          <a:lstStyle/>
-          <a:p>
-            <a:pPr marL="0" indent="0" algn="l" hangingPunct="1">
-              <a:lnSpc>
-                <a:spcPct val="100000"/>
-              </a:lnSpc>
-              <a:spcBef>
-                <a:spcPts val="0"/>
-              </a:spcBef>
-              <a:spcAft>
-                <a:spcPts val="0"/>
-              </a:spcAft>
-              <a:buFontTx/>
-              <a:buNone/>
-            </a:pPr>
-            <a:endParaRPr lang="ko-KR" altLang="en-US" sz="1800">
-              <a:latin typeface="NanumGothic" charset="0"/>
-              <a:ea typeface="NanumGothic" charset="0"/>
-            </a:endParaRPr>
-          </a:p>
-        </p:txBody>
-      </p:sp>
-      <p:sp>
-        <p:nvSpPr>
-          <p:cNvPr id="8" name="Text Box 5"/>
-          <p:cNvSpPr txBox="1">
-            <a:spLocks/>
-          </p:cNvSpPr>
-          <p:nvPr/>
-        </p:nvSpPr>
-        <p:spPr>
-          <a:xfrm>
-            <a:off x="841375" y="4244340"/>
-            <a:ext cx="8309610" cy="954405"/>
-          </a:xfrm>
-          <a:prstGeom prst="rect">
-            <a:avLst/>
-          </a:prstGeom>
-          <a:noFill/>
-          <a:ln w="0">
-            <a:noFill/>
-            <a:prstDash/>
-          </a:ln>
-        </p:spPr>
-        <p:txBody>
-          <a:bodyPr vert="horz" wrap="square" lIns="89535" tIns="46355" rIns="89535" bIns="46355" anchor="t">
-            <a:spAutoFit/>
-          </a:bodyPr>
-          <a:lstStyle/>
-          <a:p>
-            <a:pPr marL="0" indent="0" algn="l" hangingPunct="1">
-              <a:lnSpc>
-                <a:spcPct val="100000"/>
-              </a:lnSpc>
-              <a:spcBef>
-                <a:spcPts val="0"/>
-              </a:spcBef>
-              <a:spcAft>
-                <a:spcPts val="0"/>
-              </a:spcAft>
-              <a:buFontTx/>
-              <a:buNone/>
-            </a:pPr>
-            <a:r>
-              <a:rPr sz="2800">
-                <a:latin typeface="NanumGothic" charset="0"/>
-                <a:ea typeface="NanumGothic" charset="0"/>
-              </a:rPr>
-              <a:t>==&gt; AI의 발전으로 5G 등의 고속 통신 기술로 클라우드 네트워킹은 더욱더 발전할 것이다.</a:t>
-            </a:r>
-            <a:endParaRPr lang="ko-KR" altLang="en-US" sz="2800">
-              <a:latin typeface="NanumGothic" charset="0"/>
-              <a:ea typeface="NanumGothic" charset="0"/>
-            </a:endParaRPr>
-          </a:p>
-        </p:txBody>
-      </p:sp>
-    </p:spTree>
-  </p:cSld>
-  <p:clrMapOvr>
-    <a:masterClrMapping/>
-  </p:clrMapOvr>
-</p:sld>
-</file>
-
-<file path=ppt/slides/slide18.xml><?xml version="1.0" encoding="utf-8"?>
-<p:sld xmlns:a="http://schemas.openxmlformats.org/drawingml/2006/main" xmlns:r="http://schemas.openxmlformats.org/officeDocument/2006/relationships" xmlns:p="http://schemas.openxmlformats.org/presentationml/2006/main">
-  <p:cSld>
-    <p:spTree>
-      <p:nvGrpSpPr>
-        <p:cNvPr id="1" name=""/>
-        <p:cNvGrpSpPr/>
-        <p:nvPr/>
-      </p:nvGrpSpPr>
-      <p:grpSpPr>
-        <a:xfrm>
-          <a:off x="0" y="0"/>
-          <a:ext cx="0" cy="0"/>
-          <a:chOff x="0" y="0"/>
-          <a:chExt cx="0" cy="0"/>
-        </a:xfrm>
-      </p:grpSpPr>
-      <p:sp>
-        <p:nvSpPr>
-          <p:cNvPr id="2" name="Text Box 1">
-            <a:extLst>
-              <a:ext uri="{FF2B5EF4-FFF2-40B4-BE49-F238E27FC236}">
-                <a16:creationId xmlns:a16="http://schemas.microsoft.com/office/drawing/2014/main" id="{E45883EF-0F43-8EAD-E654-3B43D0C2276A}"/>
-              </a:ext>
-            </a:extLst>
-          </p:cNvPr>
-          <p:cNvSpPr txBox="1">
-            <a:spLocks/>
-          </p:cNvSpPr>
-          <p:nvPr/>
-        </p:nvSpPr>
-        <p:spPr>
-          <a:xfrm>
-            <a:off x="4554482" y="2642887"/>
-            <a:ext cx="3083036" cy="786113"/>
-          </a:xfrm>
-          <a:prstGeom prst="rect">
-            <a:avLst/>
-          </a:prstGeom>
-          <a:noFill/>
-          <a:ln w="0">
-            <a:noFill/>
-            <a:prstDash/>
-          </a:ln>
-        </p:spPr>
-        <p:txBody>
-          <a:bodyPr vert="horz" wrap="square" lIns="89535" tIns="46355" rIns="89535" bIns="46355" anchor="t">
-            <a:spAutoFit/>
-          </a:bodyPr>
-          <a:lstStyle/>
-          <a:p>
-            <a:pPr marL="0" indent="0" algn="l" hangingPunct="1">
-              <a:lnSpc>
-                <a:spcPct val="100000"/>
-              </a:lnSpc>
-              <a:spcBef>
-                <a:spcPts val="0"/>
-              </a:spcBef>
-              <a:spcAft>
-                <a:spcPts val="0"/>
-              </a:spcAft>
-              <a:buFontTx/>
-              <a:buNone/>
-            </a:pPr>
-            <a:r>
-              <a:rPr lang="ko-KR" altLang="en-US" sz="4500" dirty="0">
-                <a:latin typeface="NanumGothic" charset="0"/>
-                <a:ea typeface="NanumGothic" charset="0"/>
-              </a:rPr>
-              <a:t>감사합니다</a:t>
-            </a:r>
-            <a:r>
-              <a:rPr lang="en-US" altLang="ko-KR" sz="4500" dirty="0">
-                <a:latin typeface="NanumGothic" charset="0"/>
-                <a:ea typeface="NanumGothic" charset="0"/>
-              </a:rPr>
-              <a:t>.</a:t>
-            </a:r>
-            <a:endParaRPr lang="ko-KR" altLang="en-US" sz="4500" dirty="0">
-              <a:latin typeface="NanumGothic" charset="0"/>
-              <a:ea typeface="NanumGothic" charset="0"/>
-            </a:endParaRPr>
-          </a:p>
-        </p:txBody>
-      </p:sp>
-    </p:spTree>
-    <p:extLst>
-      <p:ext uri="{BB962C8B-B14F-4D97-AF65-F5344CB8AC3E}">
-        <p14:creationId xmlns:p14="http://schemas.microsoft.com/office/powerpoint/2010/main" val="3742845104"/>
       </p:ext>
     </p:extLst>
   </p:cSld>
@@ -11024,8 +10430,8 @@
         </p:nvSpPr>
         <p:spPr>
           <a:xfrm>
-            <a:off x="524510" y="361315"/>
-            <a:ext cx="1362075" cy="791845"/>
+            <a:off x="524256" y="361043"/>
+            <a:ext cx="1361977" cy="791725"/>
           </a:xfrm>
           <a:prstGeom prst="rect">
             <a:avLst/>
@@ -11069,16 +10475,20 @@
       </p:sp>
       <p:sp>
         <p:nvSpPr>
-          <p:cNvPr id="4" name="TextBox 3"/>
-          <p:cNvSpPr txBox="1">
-            <a:spLocks/>
-          </p:cNvSpPr>
+          <p:cNvPr id="4" name="TextBox 3">
+            <a:extLst>
+              <a:ext uri="{FF2B5EF4-FFF2-40B4-BE49-F238E27FC236}">
+                <a16:creationId xmlns:a16="http://schemas.microsoft.com/office/drawing/2014/main" id="{BFEE7EDB-580F-B16B-96D2-7C523987B006}"/>
+              </a:ext>
+            </a:extLst>
+          </p:cNvPr>
+          <p:cNvSpPr txBox="1"/>
           <p:nvPr/>
         </p:nvSpPr>
         <p:spPr>
           <a:xfrm>
-            <a:off x="525780" y="1830705"/>
-            <a:ext cx="5745812" cy="523220"/>
+            <a:off x="524256" y="1958594"/>
+            <a:ext cx="5373587" cy="523220"/>
           </a:xfrm>
           <a:prstGeom prst="rect">
             <a:avLst/>
@@ -11086,36 +10496,17 @@
           <a:noFill/>
         </p:spPr>
         <p:txBody>
-          <a:bodyPr vert="horz" wrap="square" lIns="91440" tIns="45720" rIns="91440" bIns="45720" numCol="1" anchor="t">
+          <a:bodyPr wrap="none" rtlCol="0">
             <a:spAutoFit/>
           </a:bodyPr>
           <a:lstStyle/>
           <a:p>
-            <a:pPr marL="0" indent="0" latinLnBrk="0">
-              <a:lnSpc>
-                <a:spcPct val="100000"/>
-              </a:lnSpc>
-              <a:spcBef>
-                <a:spcPts val="0"/>
-              </a:spcBef>
-              <a:spcAft>
-                <a:spcPts val="0"/>
-              </a:spcAft>
-              <a:buFontTx/>
-              <a:buNone/>
-            </a:pPr>
-            <a:r>
-              <a:rPr lang="en-US" altLang="ko-KR" sz="2800" dirty="0">
-                <a:latin typeface="굴림체" panose="020B0609000101010101" pitchFamily="49" charset="-127"/>
-                <a:ea typeface="굴림체" panose="020B0609000101010101" pitchFamily="49" charset="-127"/>
-              </a:rPr>
+            <a:r>
+              <a:rPr lang="en-US" altLang="ko-KR" sz="2800" dirty="0"/>
               <a:t>1. </a:t>
             </a:r>
             <a:r>
-              <a:rPr lang="ko-KR" altLang="en-US" sz="2800" dirty="0">
-                <a:latin typeface="굴림체" panose="020B0609000101010101" pitchFamily="49" charset="-127"/>
-                <a:ea typeface="굴림체" panose="020B0609000101010101" pitchFamily="49" charset="-127"/>
-              </a:rPr>
+              <a:rPr lang="ko-KR" altLang="en-US" sz="2800" dirty="0"/>
               <a:t>네트워킹과 클라우드 네트워킹</a:t>
             </a:r>
           </a:p>
@@ -11123,16 +10514,20 @@
       </p:sp>
       <p:sp>
         <p:nvSpPr>
-          <p:cNvPr id="5" name="TextBox 4"/>
-          <p:cNvSpPr txBox="1">
-            <a:spLocks/>
-          </p:cNvSpPr>
+          <p:cNvPr id="5" name="TextBox 4">
+            <a:extLst>
+              <a:ext uri="{FF2B5EF4-FFF2-40B4-BE49-F238E27FC236}">
+                <a16:creationId xmlns:a16="http://schemas.microsoft.com/office/drawing/2014/main" id="{3A5E7127-0D4B-CF79-3238-828BBE942EC9}"/>
+              </a:ext>
+            </a:extLst>
+          </p:cNvPr>
+          <p:cNvSpPr txBox="1"/>
           <p:nvPr/>
         </p:nvSpPr>
         <p:spPr>
           <a:xfrm>
-            <a:off x="524510" y="3053080"/>
-            <a:ext cx="5747081" cy="523220"/>
+            <a:off x="524256" y="3415656"/>
+            <a:ext cx="5464958" cy="523220"/>
           </a:xfrm>
           <a:prstGeom prst="rect">
             <a:avLst/>
@@ -11140,50 +10535,25 @@
           <a:noFill/>
         </p:spPr>
         <p:txBody>
-          <a:bodyPr vert="horz" wrap="square" lIns="91440" tIns="45720" rIns="91440" bIns="45720" numCol="1" anchor="t">
+          <a:bodyPr wrap="none" rtlCol="0">
             <a:spAutoFit/>
           </a:bodyPr>
           <a:lstStyle/>
           <a:p>
-            <a:pPr marL="0" indent="0" latinLnBrk="0">
-              <a:lnSpc>
-                <a:spcPct val="100000"/>
-              </a:lnSpc>
-              <a:spcBef>
-                <a:spcPts val="0"/>
-              </a:spcBef>
-              <a:spcAft>
-                <a:spcPts val="0"/>
-              </a:spcAft>
-              <a:buFontTx/>
-              <a:buNone/>
-            </a:pPr>
-            <a:r>
-              <a:rPr lang="en-US" altLang="ko-KR" sz="2800">
-                <a:latin typeface="굴림체" panose="020B0609000101010101" pitchFamily="49" charset="-127"/>
-                <a:ea typeface="굴림체" panose="020B0609000101010101" pitchFamily="49" charset="-127"/>
-              </a:rPr>
+            <a:r>
+              <a:rPr lang="en-US" altLang="ko-KR" sz="2800" dirty="0"/>
               <a:t>2. </a:t>
             </a:r>
             <a:r>
-              <a:rPr lang="ko-KR" altLang="en-US" sz="2800">
-                <a:latin typeface="굴림체" panose="020B0609000101010101" pitchFamily="49" charset="-127"/>
-                <a:ea typeface="굴림체" panose="020B0609000101010101" pitchFamily="49" charset="-127"/>
-              </a:rPr>
+              <a:rPr lang="ko-KR" altLang="en-US" sz="2800" dirty="0"/>
               <a:t>클라우드 네트워킹 유형 </a:t>
             </a:r>
             <a:r>
-              <a:rPr lang="en-US" altLang="ko-KR" sz="2800">
-                <a:latin typeface="굴림체" panose="020B0609000101010101" pitchFamily="49" charset="-127"/>
-                <a:ea typeface="굴림체" panose="020B0609000101010101" pitchFamily="49" charset="-127"/>
-              </a:rPr>
+              <a:rPr lang="en-US" altLang="ko-KR" sz="2800" dirty="0"/>
               <a:t>2</a:t>
             </a:r>
             <a:r>
-              <a:rPr lang="ko-KR" altLang="en-US" sz="2800">
-                <a:latin typeface="굴림체" panose="020B0609000101010101" pitchFamily="49" charset="-127"/>
-                <a:ea typeface="굴림체" panose="020B0609000101010101" pitchFamily="49" charset="-127"/>
-              </a:rPr>
+              <a:rPr lang="ko-KR" altLang="en-US" sz="2800" dirty="0"/>
               <a:t>가지 </a:t>
             </a:r>
           </a:p>
@@ -11191,16 +10561,20 @@
       </p:sp>
       <p:sp>
         <p:nvSpPr>
-          <p:cNvPr id="6" name="TextBox 5"/>
-          <p:cNvSpPr txBox="1">
-            <a:spLocks/>
-          </p:cNvSpPr>
+          <p:cNvPr id="6" name="TextBox 5">
+            <a:extLst>
+              <a:ext uri="{FF2B5EF4-FFF2-40B4-BE49-F238E27FC236}">
+                <a16:creationId xmlns:a16="http://schemas.microsoft.com/office/drawing/2014/main" id="{7573AE6A-3D77-9777-3432-54DB8FBE16A0}"/>
+              </a:ext>
+            </a:extLst>
+          </p:cNvPr>
+          <p:cNvSpPr txBox="1"/>
           <p:nvPr/>
         </p:nvSpPr>
         <p:spPr>
           <a:xfrm>
-            <a:off x="524509" y="4403725"/>
-            <a:ext cx="6651543" cy="523220"/>
+            <a:off x="524256" y="4872718"/>
+            <a:ext cx="6349815" cy="523220"/>
           </a:xfrm>
           <a:prstGeom prst="rect">
             <a:avLst/>
@@ -11208,102 +10582,18 @@
           <a:noFill/>
         </p:spPr>
         <p:txBody>
-          <a:bodyPr vert="horz" wrap="square" lIns="91440" tIns="45720" rIns="91440" bIns="45720" numCol="1" anchor="t">
+          <a:bodyPr wrap="none" rtlCol="0">
             <a:spAutoFit/>
           </a:bodyPr>
           <a:lstStyle/>
           <a:p>
-            <a:pPr marL="0" indent="0" latinLnBrk="0">
-              <a:lnSpc>
-                <a:spcPct val="100000"/>
-              </a:lnSpc>
-              <a:spcBef>
-                <a:spcPts val="0"/>
-              </a:spcBef>
-              <a:spcAft>
-                <a:spcPts val="0"/>
-              </a:spcAft>
-              <a:buFontTx/>
-              <a:buNone/>
-            </a:pPr>
-            <a:r>
-              <a:rPr lang="en-US" altLang="ko-KR" sz="2800" dirty="0">
-                <a:latin typeface="굴림체" panose="020B0609000101010101" pitchFamily="49" charset="-127"/>
-                <a:ea typeface="굴림체" panose="020B0609000101010101" pitchFamily="49" charset="-127"/>
-              </a:rPr>
+            <a:r>
+              <a:rPr lang="en-US" altLang="ko-KR" sz="2800" dirty="0"/>
               <a:t>3. </a:t>
             </a:r>
             <a:r>
-              <a:rPr lang="ko-KR" altLang="en-US" sz="2800" dirty="0">
-                <a:latin typeface="굴림체" panose="020B0609000101010101" pitchFamily="49" charset="-127"/>
-                <a:ea typeface="굴림체" panose="020B0609000101010101" pitchFamily="49" charset="-127"/>
-              </a:rPr>
-              <a:t>멀티 클라우드와 클라우드 네트워킹</a:t>
-            </a:r>
-          </a:p>
-        </p:txBody>
-      </p:sp>
-      <p:sp>
-        <p:nvSpPr>
-          <p:cNvPr id="7" name="Text Box 1"/>
-          <p:cNvSpPr txBox="1">
-            <a:spLocks/>
-          </p:cNvSpPr>
-          <p:nvPr/>
-        </p:nvSpPr>
-        <p:spPr>
-          <a:xfrm>
-            <a:off x="522604" y="5713095"/>
-            <a:ext cx="5003554" cy="524503"/>
-          </a:xfrm>
-          <a:prstGeom prst="rect">
-            <a:avLst/>
-          </a:prstGeom>
-          <a:noFill/>
-          <a:ln w="0">
-            <a:noFill/>
-            <a:prstDash/>
-          </a:ln>
-        </p:spPr>
-        <p:txBody>
-          <a:bodyPr vert="horz" wrap="square" lIns="89535" tIns="46355" rIns="89535" bIns="46355" anchor="t">
-            <a:spAutoFit/>
-          </a:bodyPr>
-          <a:lstStyle/>
-          <a:p>
-            <a:pPr marL="0" indent="0" algn="l" hangingPunct="1">
-              <a:lnSpc>
-                <a:spcPct val="100000"/>
-              </a:lnSpc>
-              <a:spcBef>
-                <a:spcPts val="0"/>
-              </a:spcBef>
-              <a:spcAft>
-                <a:spcPts val="0"/>
-              </a:spcAft>
-              <a:buFontTx/>
-              <a:buNone/>
-            </a:pPr>
-            <a:r>
-              <a:rPr sz="2800" dirty="0">
-                <a:latin typeface="굴림체" panose="020B0609000101010101" pitchFamily="49" charset="-127"/>
-                <a:ea typeface="굴림체" panose="020B0609000101010101" pitchFamily="49" charset="-127"/>
-              </a:rPr>
-              <a:t>4.</a:t>
-            </a:r>
-            <a:r>
-              <a:rPr lang="en-US" sz="2800" dirty="0">
-                <a:latin typeface="굴림체" panose="020B0609000101010101" pitchFamily="49" charset="-127"/>
-                <a:ea typeface="굴림체" panose="020B0609000101010101" pitchFamily="49" charset="-127"/>
-              </a:rPr>
-              <a:t> </a:t>
-            </a:r>
-            <a:r>
-              <a:rPr lang="ko-KR" altLang="en-US" sz="2800" dirty="0">
-                <a:latin typeface="굴림체" panose="020B0609000101010101" pitchFamily="49" charset="-127"/>
-                <a:ea typeface="굴림체" panose="020B0609000101010101" pitchFamily="49" charset="-127"/>
-              </a:rPr>
-              <a:t>클라우드 네트워킹의 전망</a:t>
+              <a:rPr lang="ko-KR" altLang="en-US" sz="2800" dirty="0"/>
+              <a:t>멀티 클라우드와 클라우드 네트워킹 </a:t>
             </a:r>
           </a:p>
         </p:txBody>
@@ -11762,7 +11052,7 @@
             <p:nvPr/>
           </p:nvPicPr>
           <p:blipFill rotWithShape="1">
-            <a:blip r:embed="rId2" cstate="print">
+            <a:blip r:embed="rId2">
               <a:extLst>
                 <a:ext uri="{28A0092B-C50C-407E-A947-70E740481C1C}">
                   <a14:useLocalDpi xmlns:a14="http://schemas.microsoft.com/office/drawing/2010/main" val="0"/>
@@ -11985,8 +11275,8 @@
         </p:nvSpPr>
         <p:spPr>
           <a:xfrm>
-            <a:off x="308610" y="324485"/>
-            <a:ext cx="6371590" cy="791845"/>
+            <a:off x="308327" y="324467"/>
+            <a:ext cx="6371518" cy="791725"/>
           </a:xfrm>
           <a:prstGeom prst="rect">
             <a:avLst/>
@@ -12041,31 +11331,27 @@
         </p:nvSpPr>
         <p:spPr>
           <a:xfrm>
-            <a:off x="461010" y="476885"/>
-            <a:ext cx="7952105" cy="792480"/>
+            <a:off x="460727" y="476867"/>
+            <a:ext cx="7951753" cy="791725"/>
           </a:xfrm>
           <a:prstGeom prst="rect">
             <a:avLst/>
           </a:prstGeom>
         </p:spPr>
         <p:txBody>
-          <a:bodyPr vert="horz" wrap="square" lIns="91440" tIns="45720" rIns="91440" bIns="45720" numCol="1" anchor="b">
+          <a:bodyPr vert="horz" lIns="91440" tIns="45720" rIns="91440" bIns="45720" rtlCol="0" anchor="b" anchorCtr="0">
             <a:normAutofit/>
           </a:bodyPr>
           <a:lstStyle>
-            <a:lvl1pPr marL="0" indent="0" algn="l" defTabSz="914400" rtl="0" eaLnBrk="1" latinLnBrk="0" hangingPunct="1">
+            <a:lvl1pPr algn="l" defTabSz="914400" rtl="0" eaLnBrk="1" latinLnBrk="0" hangingPunct="1">
               <a:lnSpc>
                 <a:spcPct val="110000"/>
               </a:lnSpc>
               <a:spcBef>
-                <a:spcPts val="0"/>
+                <a:spcPct val="0"/>
               </a:spcBef>
-              <a:spcAft>
-                <a:spcPts val="0"/>
-              </a:spcAft>
-              <a:buFontTx/>
               <a:buNone/>
-              <a:defRPr lang="en-GB" altLang="en-US" sz="4400" spc="90">
+              <a:defRPr sz="4400" kern="1200" spc="90">
                 <a:solidFill>
                   <a:schemeClr val="tx1"/>
                 </a:solidFill>
@@ -12076,22 +11362,22 @@
             </a:lvl1pPr>
           </a:lstStyle>
           <a:p>
-            <a:pPr marL="0" indent="0" latinLnBrk="0">
+            <a:pPr>
               <a:lnSpc>
                 <a:spcPct val="100000"/>
               </a:lnSpc>
-              <a:spcBef>
-                <a:spcPts val="0"/>
-              </a:spcBef>
-              <a:spcAft>
-                <a:spcPts val="0"/>
-              </a:spcAft>
-              <a:buFontTx/>
-              <a:buNone/>
             </a:pPr>
             <a:r>
-              <a:rPr lang="ko-KR" altLang="en-US" sz="4000"/>
+              <a:rPr lang="ko-KR" altLang="en-US" sz="4000" spc="0" dirty="0"/>
               <a:t>클라우드 네트워킹의 장점</a:t>
+            </a:r>
+            <a:r>
+              <a:rPr lang="en-US" altLang="ko-KR" sz="4000" spc="0" dirty="0"/>
+              <a:t>, </a:t>
+            </a:r>
+            <a:r>
+              <a:rPr lang="ko-KR" altLang="en-US" sz="4000" spc="0" dirty="0"/>
+              <a:t>중요성</a:t>
             </a:r>
           </a:p>
         </p:txBody>
@@ -12110,8 +11396,8 @@
         </p:nvSpPr>
         <p:spPr>
           <a:xfrm>
-            <a:off x="621665" y="1861185"/>
-            <a:ext cx="1583055" cy="522604"/>
+            <a:off x="621792" y="1861058"/>
+            <a:ext cx="3937296" cy="523220"/>
           </a:xfrm>
           <a:prstGeom prst="rect">
             <a:avLst/>
@@ -12119,29 +11405,19 @@
           <a:noFill/>
         </p:spPr>
         <p:txBody>
-          <a:bodyPr vert="horz" wrap="none" lIns="91440" tIns="45720" rIns="91440" bIns="45720" numCol="1" anchor="t">
+          <a:bodyPr wrap="none" rtlCol="0">
             <a:spAutoFit/>
           </a:bodyPr>
           <a:lstStyle/>
           <a:p>
-            <a:pPr marL="0" indent="0" latinLnBrk="0">
-              <a:lnSpc>
-                <a:spcPct val="100000"/>
-              </a:lnSpc>
-              <a:spcBef>
-                <a:spcPts val="0"/>
-              </a:spcBef>
-              <a:spcAft>
-                <a:spcPts val="0"/>
-              </a:spcAft>
-              <a:buFontTx/>
-              <a:buNone/>
-            </a:pPr>
-            <a:r>
-              <a:rPr lang="en-US" altLang="ko-KR" sz="2800"/>
-              <a:t>1. 접근성</a:t>
-            </a:r>
-            <a:endParaRPr lang="ko-KR" altLang="en-US" sz="2800"/>
+            <a:r>
+              <a:rPr lang="en-US" altLang="ko-KR" sz="2800" dirty="0"/>
+              <a:t>1. </a:t>
+            </a:r>
+            <a:r>
+              <a:rPr lang="ko-KR" altLang="en-US" sz="2800" dirty="0"/>
+              <a:t>효율적 네트워크 관리</a:t>
+            </a:r>
           </a:p>
         </p:txBody>
       </p:sp>
@@ -12159,8 +11435,8 @@
         </p:nvSpPr>
         <p:spPr>
           <a:xfrm>
-            <a:off x="628015" y="3030220"/>
-            <a:ext cx="2786380" cy="522604"/>
+            <a:off x="627888" y="3030231"/>
+            <a:ext cx="1636987" cy="523220"/>
           </a:xfrm>
           <a:prstGeom prst="rect">
             <a:avLst/>
@@ -12168,31 +11444,18 @@
           <a:noFill/>
         </p:spPr>
         <p:txBody>
-          <a:bodyPr vert="horz" wrap="none" lIns="91440" tIns="45720" rIns="91440" bIns="45720" numCol="1" anchor="t">
+          <a:bodyPr wrap="none" rtlCol="0">
             <a:spAutoFit/>
           </a:bodyPr>
           <a:lstStyle/>
           <a:p>
-            <a:pPr marL="0" indent="0" latinLnBrk="0">
-              <a:lnSpc>
-                <a:spcPct val="100000"/>
-              </a:lnSpc>
-              <a:spcBef>
-                <a:spcPts val="0"/>
-              </a:spcBef>
-              <a:spcAft>
-                <a:spcPts val="0"/>
-              </a:spcAft>
-              <a:buFontTx/>
-              <a:buNone/>
-            </a:pPr>
-            <a:r>
-              <a:rPr lang="en-US" altLang="ko-KR" sz="2800"/>
+            <a:r>
+              <a:rPr lang="en-US" altLang="ko-KR" sz="2800" dirty="0"/>
               <a:t>2. </a:t>
             </a:r>
             <a:r>
-              <a:rPr lang="ko-KR" altLang="en-US" sz="2800"/>
-              <a:t>확장성, 유연성</a:t>
+              <a:rPr lang="ko-KR" altLang="en-US" sz="2800" dirty="0"/>
+              <a:t>확장성</a:t>
             </a:r>
           </a:p>
         </p:txBody>
@@ -12211,8 +11474,8 @@
         </p:nvSpPr>
         <p:spPr>
           <a:xfrm>
-            <a:off x="621665" y="4199255"/>
-            <a:ext cx="1637030" cy="575310"/>
+            <a:off x="621792" y="4199404"/>
+            <a:ext cx="1636987" cy="575542"/>
           </a:xfrm>
           <a:prstGeom prst="rect">
             <a:avLst/>
@@ -12250,8 +11513,8 @@
         </p:nvSpPr>
         <p:spPr>
           <a:xfrm>
-            <a:off x="628015" y="5420995"/>
-            <a:ext cx="4497705" cy="522604"/>
+            <a:off x="627888" y="5420899"/>
+            <a:ext cx="2924198" cy="523220"/>
           </a:xfrm>
           <a:prstGeom prst="rect">
             <a:avLst/>
@@ -12259,31 +11522,18 @@
           <a:noFill/>
         </p:spPr>
         <p:txBody>
-          <a:bodyPr vert="horz" wrap="none" lIns="91440" tIns="45720" rIns="91440" bIns="45720" numCol="1" anchor="t">
+          <a:bodyPr wrap="none" rtlCol="0">
             <a:spAutoFit/>
           </a:bodyPr>
           <a:lstStyle/>
           <a:p>
-            <a:pPr marL="0" indent="0" latinLnBrk="0">
-              <a:lnSpc>
-                <a:spcPct val="100000"/>
-              </a:lnSpc>
-              <a:spcBef>
-                <a:spcPts val="0"/>
-              </a:spcBef>
-              <a:spcAft>
-                <a:spcPts val="0"/>
-              </a:spcAft>
-              <a:buFontTx/>
-              <a:buNone/>
-            </a:pPr>
-            <a:r>
-              <a:rPr lang="en-US" altLang="ko-KR" sz="2800"/>
+            <a:r>
+              <a:rPr lang="en-US" altLang="ko-KR" sz="2800" dirty="0"/>
               <a:t>4. </a:t>
             </a:r>
             <a:r>
-              <a:rPr lang="ko-KR" altLang="en-US" sz="2800"/>
-              <a:t>쉬운 유지 보수, 비용 절감</a:t>
+              <a:rPr lang="ko-KR" altLang="en-US" sz="2800" dirty="0"/>
+              <a:t>쉬운 유지 보수</a:t>
             </a:r>
           </a:p>
         </p:txBody>
@@ -12320,7 +11570,13 @@
       </p:grpSpPr>
       <p:sp>
         <p:nvSpPr>
-          <p:cNvPr id="2" name="제목 5"/>
+          <p:cNvPr id="2" name="제목 5">
+            <a:extLst>
+              <a:ext uri="{FF2B5EF4-FFF2-40B4-BE49-F238E27FC236}">
+                <a16:creationId xmlns:a16="http://schemas.microsoft.com/office/drawing/2014/main" id="{71BC49FF-E204-6902-9E90-AFC907EE7E3D}"/>
+              </a:ext>
+            </a:extLst>
+          </p:cNvPr>
           <p:cNvSpPr txBox="1">
             <a:spLocks/>
           </p:cNvSpPr>
@@ -12328,31 +11584,27 @@
         </p:nvSpPr>
         <p:spPr>
           <a:xfrm>
-            <a:off x="461010" y="476885"/>
-            <a:ext cx="9091930" cy="837565"/>
+            <a:off x="460727" y="476867"/>
+            <a:ext cx="7951753" cy="791725"/>
           </a:xfrm>
           <a:prstGeom prst="rect">
             <a:avLst/>
           </a:prstGeom>
         </p:spPr>
         <p:txBody>
-          <a:bodyPr vert="horz" wrap="square" lIns="91440" tIns="45720" rIns="91440" bIns="45720" numCol="1" anchor="b">
+          <a:bodyPr vert="horz" lIns="91440" tIns="45720" rIns="91440" bIns="45720" rtlCol="0" anchor="b" anchorCtr="0">
             <a:normAutofit/>
           </a:bodyPr>
           <a:lstStyle>
-            <a:lvl1pPr marL="0" indent="0" algn="l" defTabSz="914400" rtl="0" eaLnBrk="1" latinLnBrk="0" hangingPunct="1">
+            <a:lvl1pPr algn="l" defTabSz="914400" rtl="0" eaLnBrk="1" latinLnBrk="0" hangingPunct="1">
               <a:lnSpc>
                 <a:spcPct val="110000"/>
               </a:lnSpc>
               <a:spcBef>
-                <a:spcPts val="0"/>
+                <a:spcPct val="0"/>
               </a:spcBef>
-              <a:spcAft>
-                <a:spcPts val="0"/>
-              </a:spcAft>
-              <a:buFontTx/>
               <a:buNone/>
-              <a:defRPr lang="en-GB" altLang="en-US" sz="4400" spc="90">
+              <a:defRPr sz="4400" kern="1200" spc="90">
                 <a:solidFill>
                   <a:schemeClr val="tx1"/>
                 </a:solidFill>
@@ -12363,22 +11615,14 @@
             </a:lvl1pPr>
           </a:lstStyle>
           <a:p>
-            <a:pPr marL="0" indent="0" latinLnBrk="0">
+            <a:pPr>
               <a:lnSpc>
                 <a:spcPct val="100000"/>
               </a:lnSpc>
-              <a:spcBef>
-                <a:spcPts val="0"/>
-              </a:spcBef>
-              <a:spcAft>
-                <a:spcPts val="0"/>
-              </a:spcAft>
-              <a:buFontTx/>
-              <a:buNone/>
             </a:pPr>
             <a:r>
-              <a:rPr lang="ko-KR" altLang="en-US" sz="4000"/>
-              <a:t>클라우드 네트워킹의 주요 구성 요소</a:t>
+              <a:rPr lang="ko-KR" altLang="en-US" sz="4000" spc="0" dirty="0"/>
+              <a:t>클라우드 네트워킹의 구성 요소</a:t>
             </a:r>
           </a:p>
         </p:txBody>
@@ -12397,8 +11641,8 @@
         </p:nvSpPr>
         <p:spPr>
           <a:xfrm>
-            <a:off x="621665" y="1861185"/>
-            <a:ext cx="2708275" cy="522605"/>
+            <a:off x="621792" y="1861058"/>
+            <a:ext cx="4019049" cy="523220"/>
           </a:xfrm>
           <a:prstGeom prst="rect">
             <a:avLst/>
@@ -12406,31 +11650,26 @@
           <a:noFill/>
         </p:spPr>
         <p:txBody>
-          <a:bodyPr vert="horz" wrap="none" lIns="91440" tIns="45720" rIns="91440" bIns="45720" numCol="1" anchor="t">
+          <a:bodyPr wrap="none" rtlCol="0">
             <a:spAutoFit/>
           </a:bodyPr>
           <a:lstStyle/>
           <a:p>
-            <a:pPr marL="0" indent="0" latinLnBrk="0">
-              <a:lnSpc>
-                <a:spcPct val="100000"/>
-              </a:lnSpc>
-              <a:spcBef>
-                <a:spcPts val="0"/>
-              </a:spcBef>
-              <a:spcAft>
-                <a:spcPts val="0"/>
-              </a:spcAft>
-              <a:buFontTx/>
-              <a:buNone/>
-            </a:pPr>
-            <a:r>
-              <a:rPr lang="en-US" altLang="ko-KR" sz="2800"/>
+            <a:r>
+              <a:rPr lang="en-US" altLang="ko-KR" sz="2800" dirty="0"/>
               <a:t>1. </a:t>
             </a:r>
             <a:r>
-              <a:rPr lang="ko-KR" altLang="en-US" sz="2800"/>
+              <a:rPr lang="ko-KR" altLang="en-US" sz="2800" dirty="0"/>
               <a:t>가상 네트워크</a:t>
+            </a:r>
+            <a:r>
+              <a:rPr lang="en-US" altLang="ko-KR" sz="2800" dirty="0"/>
+              <a:t>, </a:t>
+            </a:r>
+            <a:r>
+              <a:rPr lang="ko-KR" altLang="en-US" sz="2800" dirty="0"/>
+              <a:t>라우팅</a:t>
             </a:r>
           </a:p>
         </p:txBody>
@@ -12449,8 +11688,8 @@
         </p:nvSpPr>
         <p:spPr>
           <a:xfrm>
-            <a:off x="628015" y="3030220"/>
-            <a:ext cx="2042160" cy="522605"/>
+            <a:off x="627888" y="3030231"/>
+            <a:ext cx="2916183" cy="523220"/>
           </a:xfrm>
           <a:prstGeom prst="rect">
             <a:avLst/>
@@ -12458,31 +11697,18 @@
           <a:noFill/>
         </p:spPr>
         <p:txBody>
-          <a:bodyPr vert="horz" wrap="none" lIns="91440" tIns="45720" rIns="91440" bIns="45720" numCol="1" anchor="t">
+          <a:bodyPr wrap="none" rtlCol="0">
             <a:spAutoFit/>
           </a:bodyPr>
           <a:lstStyle/>
           <a:p>
-            <a:pPr marL="0" indent="0" latinLnBrk="0">
-              <a:lnSpc>
-                <a:spcPct val="100000"/>
-              </a:lnSpc>
-              <a:spcBef>
-                <a:spcPts val="0"/>
-              </a:spcBef>
-              <a:spcAft>
-                <a:spcPts val="0"/>
-              </a:spcAft>
-              <a:buFontTx/>
-              <a:buNone/>
-            </a:pPr>
-            <a:r>
-              <a:rPr lang="en-US" altLang="ko-KR" sz="2800"/>
+            <a:r>
+              <a:rPr lang="en-US" altLang="ko-KR" sz="2800" dirty="0"/>
               <a:t>2. </a:t>
             </a:r>
             <a:r>
-              <a:rPr lang="ko-KR" altLang="en-US" sz="2800"/>
-              <a:t>보안 그룹</a:t>
+              <a:rPr lang="ko-KR" altLang="en-US" sz="2800" dirty="0"/>
+              <a:t>보안 그룹 관리</a:t>
             </a:r>
           </a:p>
         </p:txBody>
@@ -12501,8 +11727,8 @@
         </p:nvSpPr>
         <p:spPr>
           <a:xfrm>
-            <a:off x="621665" y="4199255"/>
-            <a:ext cx="2376170" cy="522605"/>
+            <a:off x="621792" y="4199404"/>
+            <a:ext cx="2456122" cy="523220"/>
           </a:xfrm>
           <a:prstGeom prst="rect">
             <a:avLst/>
@@ -12510,32 +11736,24 @@
           <a:noFill/>
         </p:spPr>
         <p:txBody>
-          <a:bodyPr vert="horz" wrap="none" lIns="91440" tIns="45720" rIns="91440" bIns="45720" numCol="1" anchor="t">
+          <a:bodyPr wrap="none" rtlCol="0">
             <a:spAutoFit/>
           </a:bodyPr>
           <a:lstStyle/>
           <a:p>
-            <a:pPr marL="0" indent="0" latinLnBrk="0">
-              <a:lnSpc>
-                <a:spcPct val="100000"/>
-              </a:lnSpc>
-              <a:spcBef>
-                <a:spcPts val="0"/>
-              </a:spcBef>
-              <a:spcAft>
-                <a:spcPts val="0"/>
-              </a:spcAft>
-              <a:buFontTx/>
-              <a:buNone/>
-            </a:pPr>
-            <a:r>
-              <a:rPr lang="en-US" altLang="ko-KR" sz="2800"/>
+            <a:r>
+              <a:rPr lang="en-US" altLang="ko-KR" sz="2800" dirty="0"/>
               <a:t>3. </a:t>
             </a:r>
             <a:r>
-              <a:rPr lang="ko-KR" altLang="en-US" sz="2800"/>
-              <a:t>로드 밸런서</a:t>
-            </a:r>
+              <a:rPr lang="ko-KR" altLang="en-US" sz="2800" dirty="0"/>
+              <a:t>로드 </a:t>
+            </a:r>
+            <a:r>
+              <a:rPr lang="ko-KR" altLang="en-US" sz="2800" dirty="0" err="1"/>
+              <a:t>밸런싱</a:t>
+            </a:r>
+            <a:endParaRPr lang="ko-KR" altLang="en-US" sz="2800" dirty="0"/>
           </a:p>
         </p:txBody>
       </p:sp>
@@ -12553,8 +11771,8 @@
         </p:nvSpPr>
         <p:spPr>
           <a:xfrm>
-            <a:off x="628015" y="5420995"/>
-            <a:ext cx="4168775" cy="522605"/>
+            <a:off x="627888" y="5420899"/>
+            <a:ext cx="4543231" cy="523220"/>
           </a:xfrm>
           <a:prstGeom prst="rect">
             <a:avLst/>
@@ -12562,29 +11780,27 @@
           <a:noFill/>
         </p:spPr>
         <p:txBody>
-          <a:bodyPr vert="horz" wrap="none" lIns="91440" tIns="45720" rIns="91440" bIns="45720" numCol="1" anchor="t">
+          <a:bodyPr wrap="none" rtlCol="0">
             <a:spAutoFit/>
           </a:bodyPr>
           <a:lstStyle/>
           <a:p>
-            <a:pPr marL="0" indent="0" latinLnBrk="0">
-              <a:lnSpc>
-                <a:spcPct val="100000"/>
-              </a:lnSpc>
-              <a:spcBef>
-                <a:spcPts val="0"/>
-              </a:spcBef>
-              <a:spcAft>
-                <a:spcPts val="0"/>
-              </a:spcAft>
-              <a:buFontTx/>
-              <a:buNone/>
-            </a:pPr>
-            <a:r>
-              <a:rPr lang="en-US" altLang="ko-KR" sz="2800"/>
-              <a:t>4. 가상 프라이빗 클라우드</a:t>
-            </a:r>
-            <a:endParaRPr lang="ko-KR" altLang="en-US" sz="2800"/>
+            <a:r>
+              <a:rPr lang="en-US" altLang="ko-KR" sz="2800" dirty="0"/>
+              <a:t>4. </a:t>
+            </a:r>
+            <a:r>
+              <a:rPr lang="ko-KR" altLang="en-US" sz="2800" dirty="0"/>
+              <a:t>접근제어</a:t>
+            </a:r>
+            <a:r>
+              <a:rPr lang="en-US" altLang="ko-KR" sz="2800" dirty="0"/>
+              <a:t>, </a:t>
+            </a:r>
+            <a:r>
+              <a:rPr lang="ko-KR" altLang="en-US" sz="2800" dirty="0"/>
+              <a:t>보안 그룹 관리</a:t>
+            </a:r>
           </a:p>
         </p:txBody>
       </p:sp>
@@ -12634,8 +11850,8 @@
         </p:nvSpPr>
         <p:spPr>
           <a:xfrm>
-            <a:off x="461010" y="476885"/>
-            <a:ext cx="7951470" cy="791845"/>
+            <a:off x="460727" y="476867"/>
+            <a:ext cx="7951753" cy="791725"/>
           </a:xfrm>
           <a:prstGeom prst="rect">
             <a:avLst/>
@@ -12691,8 +11907,8 @@
         </p:nvSpPr>
         <p:spPr>
           <a:xfrm>
-            <a:off x="621665" y="1861185"/>
-            <a:ext cx="2759075" cy="523240"/>
+            <a:off x="621792" y="1861058"/>
+            <a:ext cx="2759089" cy="523220"/>
           </a:xfrm>
           <a:prstGeom prst="rect">
             <a:avLst/>
@@ -12730,8 +11946,8 @@
         </p:nvSpPr>
         <p:spPr>
           <a:xfrm>
-            <a:off x="628015" y="3030220"/>
-            <a:ext cx="2814955" cy="523240"/>
+            <a:off x="627888" y="3030231"/>
+            <a:ext cx="2815194" cy="523220"/>
           </a:xfrm>
           <a:prstGeom prst="rect">
             <a:avLst/>
@@ -12769,8 +11985,8 @@
         </p:nvSpPr>
         <p:spPr>
           <a:xfrm>
-            <a:off x="621665" y="4199255"/>
-            <a:ext cx="3993515" cy="523240"/>
+            <a:off x="621792" y="4199404"/>
+            <a:ext cx="3993401" cy="523220"/>
           </a:xfrm>
           <a:prstGeom prst="rect">
             <a:avLst/>
@@ -12808,8 +12024,8 @@
         </p:nvSpPr>
         <p:spPr>
           <a:xfrm>
-            <a:off x="628015" y="5420995"/>
-            <a:ext cx="3168650" cy="522604"/>
+            <a:off x="627888" y="5420899"/>
+            <a:ext cx="1285929" cy="523220"/>
           </a:xfrm>
           <a:prstGeom prst="rect">
             <a:avLst/>
@@ -12817,31 +12033,18 @@
           <a:noFill/>
         </p:spPr>
         <p:txBody>
-          <a:bodyPr vert="horz" wrap="none" lIns="91440" tIns="45720" rIns="91440" bIns="45720" numCol="1" anchor="t">
+          <a:bodyPr wrap="none" rtlCol="0">
             <a:spAutoFit/>
           </a:bodyPr>
           <a:lstStyle/>
           <a:p>
-            <a:pPr marL="0" indent="0" latinLnBrk="0">
-              <a:lnSpc>
-                <a:spcPct val="100000"/>
-              </a:lnSpc>
-              <a:spcBef>
-                <a:spcPts val="0"/>
-              </a:spcBef>
-              <a:spcAft>
-                <a:spcPts val="0"/>
-              </a:spcAft>
-              <a:buFontTx/>
-              <a:buNone/>
-            </a:pPr>
-            <a:r>
-              <a:rPr lang="en-US" altLang="ko-KR" sz="2800"/>
+            <a:r>
+              <a:rPr lang="en-US" altLang="ko-KR" sz="2800" dirty="0"/>
               <a:t>4. </a:t>
             </a:r>
             <a:r>
-              <a:rPr lang="ko-KR" altLang="en-US" sz="2800"/>
-              <a:t>처리에 따른 응답</a:t>
+              <a:rPr lang="ko-KR" altLang="en-US" sz="2800" dirty="0"/>
+              <a:t>응답</a:t>
             </a:r>
           </a:p>
         </p:txBody>
